--- a/presentation-v1.pptx
+++ b/presentation-v1.pptx
@@ -1967,7 +1967,7 @@
           <a:bodyPr lIns="0" rIns="0" tIns="0" bIns="0"/>
           <a:p>
             <a:pPr algn="r"/>
-            <a:fld id="{2093E82B-BCDD-410F-9FF7-0BF2B4DAFE5F}" type="slidenum">
+            <a:fld id="{59583188-6623-413A-AEAC-1C1AF05807C8}" type="slidenum">
               <a:rPr b="0" lang="en-NZ" sz="1400" spc="-1" strike="noStrike">
                 <a:solidFill>
                   <a:srgbClr val="000000"/>
@@ -2794,6 +2794,33 @@
       </p:sp>
     </p:spTree>
   </p:cSld>
+  <p:timing>
+    <p:tnLst>
+      <p:par>
+        <p:cTn id="9" dur="indefinite" restart="never" nodeType="tmRoot">
+          <p:childTnLst>
+            <p:seq>
+              <p:cTn id="10" nodeType="mainSeq"/>
+              <p:prevCondLst>
+                <p:cond delay="0" evt="onPrev">
+                  <p:tgtEl>
+                    <p:sldTgt/>
+                  </p:tgtEl>
+                </p:cond>
+              </p:prevCondLst>
+              <p:nextCondLst>
+                <p:cond delay="0" evt="onNext">
+                  <p:tgtEl>
+                    <p:sldTgt/>
+                  </p:tgtEl>
+                </p:cond>
+              </p:nextCondLst>
+            </p:seq>
+          </p:childTnLst>
+        </p:cTn>
+      </p:par>
+    </p:tnLst>
+  </p:timing>
 </p:sld>
 </file>
 
